--- a/Chapter 03/303.pptx
+++ b/Chapter 03/303.pptx
@@ -3762,8 +3762,8 @@
               <a:t>This </a:t>
             </a:r>
             <a:r>
-              <a:rPr lang="zh-CN" altLang="en-US" dirty="0"/>
-              <a:t>应用</a:t>
+              <a:rPr lang="zh-CN" altLang="en-US"/>
+              <a:t>引用</a:t>
             </a:r>
             <a:endParaRPr lang="en-US" dirty="0"/>
           </a:p>
